--- a/Used Car Price Estimator.pptx
+++ b/Used Car Price Estimator.pptx
@@ -4914,6 +4914,13 @@
         </dgm:presLayoutVars>
       </dgm:prSet>
       <dgm:spPr/>
+      <dgm:t>
+        <a:bodyPr/>
+        <a:lstStyle/>
+        <a:p>
+          <a:endParaRPr lang="en-US"/>
+        </a:p>
+      </dgm:t>
     </dgm:pt>
     <dgm:pt modelId="{FC611080-D032-4C62-A333-57C40D8CF059}" type="pres">
       <dgm:prSet presAssocID="{BA3BA4C7-2E33-49C3-BE5F-DA79F1FE1109}" presName="parSpace" presStyleCnt="0"/>
@@ -4983,6 +4990,13 @@
         </dgm:presLayoutVars>
       </dgm:prSet>
       <dgm:spPr/>
+      <dgm:t>
+        <a:bodyPr/>
+        <a:lstStyle/>
+        <a:p>
+          <a:endParaRPr lang="en-US"/>
+        </a:p>
+      </dgm:t>
     </dgm:pt>
     <dgm:pt modelId="{D9FCBB67-93BE-4BEC-B76A-9A83AA028170}" type="pres">
       <dgm:prSet presAssocID="{359E4FAE-DA08-4350-9D7E-0E4849626F8B}" presName="parSpace" presStyleCnt="0"/>
@@ -4995,22 +5009,29 @@
         </dgm:presLayoutVars>
       </dgm:prSet>
       <dgm:spPr/>
+      <dgm:t>
+        <a:bodyPr/>
+        <a:lstStyle/>
+        <a:p>
+          <a:endParaRPr lang="en-US"/>
+        </a:p>
+      </dgm:t>
     </dgm:pt>
   </dgm:ptLst>
   <dgm:cxnLst>
+    <dgm:cxn modelId="{18C7ECFF-C066-4EAF-ABCE-752FF42FF0A2}" type="presOf" srcId="{4F391806-192B-4DF0-B207-8D46C37488EB}" destId="{9D88C978-C137-471C-A692-4EC71E3E0983}" srcOrd="0" destOrd="0" presId="urn:microsoft.com/office/officeart/2005/8/layout/hChevron3"/>
+    <dgm:cxn modelId="{30C4541A-37D6-45B0-BF8A-5E0419566767}" srcId="{2EACC393-CA1C-482F-95B6-22E950D01C27}" destId="{4F391806-192B-4DF0-B207-8D46C37488EB}" srcOrd="5" destOrd="0" parTransId="{35C20A1B-6A74-48B0-BE52-73AA8B955812}" sibTransId="{059B2515-190F-4C8C-869F-6B1EC4D8141E}"/>
+    <dgm:cxn modelId="{EDF55665-4F43-476E-8E49-08A85BFC1CE3}" type="presOf" srcId="{944C6AA6-BE75-4234-8D24-8ED541ADEE56}" destId="{E295C643-68CD-4DAC-9AF8-70278F4EF8BD}" srcOrd="0" destOrd="0" presId="urn:microsoft.com/office/officeart/2005/8/layout/hChevron3"/>
+    <dgm:cxn modelId="{9980686C-67D5-4B7C-9CA6-6D20FDF26380}" type="presOf" srcId="{042D2ECE-00BC-46D6-A7F6-4414A96CCE6B}" destId="{6A1FA887-E1D6-480C-8DCA-F9D053BDAD43}" srcOrd="0" destOrd="0" presId="urn:microsoft.com/office/officeart/2005/8/layout/hChevron3"/>
     <dgm:cxn modelId="{0E218F8F-B233-4B3F-9488-B2CFD67784FD}" type="presOf" srcId="{7233FFDB-6EF8-42E0-8CCD-96923B25C1CA}" destId="{4AD19D22-76AA-4F78-8F6A-9EB959D38FBD}" srcOrd="0" destOrd="0" presId="urn:microsoft.com/office/officeart/2005/8/layout/hChevron3"/>
+    <dgm:cxn modelId="{C4465B41-0FD2-4592-9199-DC61825568BC}" type="presOf" srcId="{2EACC393-CA1C-482F-95B6-22E950D01C27}" destId="{51CF7531-8921-4F41-96E8-E06D91C73507}" srcOrd="0" destOrd="0" presId="urn:microsoft.com/office/officeart/2005/8/layout/hChevron3"/>
+    <dgm:cxn modelId="{69463378-76FC-4470-A175-F066AE3D96E3}" srcId="{2EACC393-CA1C-482F-95B6-22E950D01C27}" destId="{B222B69E-D1B0-46A8-A6FD-2820A77523F4}" srcOrd="4" destOrd="0" parTransId="{A8F421EA-3DCE-4B3C-9A8D-09AC347E55A6}" sibTransId="{359E4FAE-DA08-4350-9D7E-0E4849626F8B}"/>
+    <dgm:cxn modelId="{D754BCE7-27EE-4A13-B97F-F9C6A17F3C86}" srcId="{2EACC393-CA1C-482F-95B6-22E950D01C27}" destId="{944C6AA6-BE75-4234-8D24-8ED541ADEE56}" srcOrd="2" destOrd="0" parTransId="{127F4ACE-F3AF-40EF-AE11-17F70ED43A23}" sibTransId="{5270FAB7-F7CA-4BCD-8501-3907EB46CA36}"/>
+    <dgm:cxn modelId="{EB114E3A-0D75-49AD-B0CD-FCC47EC685EE}" srcId="{2EACC393-CA1C-482F-95B6-22E950D01C27}" destId="{042D2ECE-00BC-46D6-A7F6-4414A96CCE6B}" srcOrd="1" destOrd="0" parTransId="{85763D31-0AC5-4B9F-89F2-0F480B23873B}" sibTransId="{64703171-32C2-4733-AFBD-BD8CC035E338}"/>
+    <dgm:cxn modelId="{3D86C473-AA10-4A63-96B6-1141F7B6CC3C}" type="presOf" srcId="{3C874B9B-88A3-4E66-85CF-F698A0BEABDF}" destId="{0B367109-D7E0-4253-B7E3-A80AB96F2788}" srcOrd="0" destOrd="0" presId="urn:microsoft.com/office/officeart/2005/8/layout/hChevron3"/>
+    <dgm:cxn modelId="{52DE3475-3BCA-4C6C-9650-1FF9689CF9C3}" type="presOf" srcId="{B222B69E-D1B0-46A8-A6FD-2820A77523F4}" destId="{1B1AAD42-D8B0-49E1-A716-37E3B3AE7DD9}" srcOrd="0" destOrd="0" presId="urn:microsoft.com/office/officeart/2005/8/layout/hChevron3"/>
+    <dgm:cxn modelId="{A9C5B02B-A5CC-410D-B8C9-C9F5939104D7}" srcId="{2EACC393-CA1C-482F-95B6-22E950D01C27}" destId="{3C874B9B-88A3-4E66-85CF-F698A0BEABDF}" srcOrd="0" destOrd="0" parTransId="{3974E2ED-8FFA-49B6-9170-E1AE29593853}" sibTransId="{BA3BA4C7-2E33-49C3-BE5F-DA79F1FE1109}"/>
     <dgm:cxn modelId="{B98E603F-3E15-4291-8A24-F62CC8E207F2}" srcId="{2EACC393-CA1C-482F-95B6-22E950D01C27}" destId="{7233FFDB-6EF8-42E0-8CCD-96923B25C1CA}" srcOrd="3" destOrd="0" parTransId="{7823F436-EE70-4BB3-A33B-9629F9AEF43A}" sibTransId="{D5B388D5-D779-42AC-B113-EF7ADD31E1C1}"/>
-    <dgm:cxn modelId="{69463378-76FC-4470-A175-F066AE3D96E3}" srcId="{2EACC393-CA1C-482F-95B6-22E950D01C27}" destId="{B222B69E-D1B0-46A8-A6FD-2820A77523F4}" srcOrd="4" destOrd="0" parTransId="{A8F421EA-3DCE-4B3C-9A8D-09AC347E55A6}" sibTransId="{359E4FAE-DA08-4350-9D7E-0E4849626F8B}"/>
-    <dgm:cxn modelId="{A9C5B02B-A5CC-410D-B8C9-C9F5939104D7}" srcId="{2EACC393-CA1C-482F-95B6-22E950D01C27}" destId="{3C874B9B-88A3-4E66-85CF-F698A0BEABDF}" srcOrd="0" destOrd="0" parTransId="{3974E2ED-8FFA-49B6-9170-E1AE29593853}" sibTransId="{BA3BA4C7-2E33-49C3-BE5F-DA79F1FE1109}"/>
-    <dgm:cxn modelId="{EB114E3A-0D75-49AD-B0CD-FCC47EC685EE}" srcId="{2EACC393-CA1C-482F-95B6-22E950D01C27}" destId="{042D2ECE-00BC-46D6-A7F6-4414A96CCE6B}" srcOrd="1" destOrd="0" parTransId="{85763D31-0AC5-4B9F-89F2-0F480B23873B}" sibTransId="{64703171-32C2-4733-AFBD-BD8CC035E338}"/>
-    <dgm:cxn modelId="{9980686C-67D5-4B7C-9CA6-6D20FDF26380}" type="presOf" srcId="{042D2ECE-00BC-46D6-A7F6-4414A96CCE6B}" destId="{6A1FA887-E1D6-480C-8DCA-F9D053BDAD43}" srcOrd="0" destOrd="0" presId="urn:microsoft.com/office/officeart/2005/8/layout/hChevron3"/>
-    <dgm:cxn modelId="{D754BCE7-27EE-4A13-B97F-F9C6A17F3C86}" srcId="{2EACC393-CA1C-482F-95B6-22E950D01C27}" destId="{944C6AA6-BE75-4234-8D24-8ED541ADEE56}" srcOrd="2" destOrd="0" parTransId="{127F4ACE-F3AF-40EF-AE11-17F70ED43A23}" sibTransId="{5270FAB7-F7CA-4BCD-8501-3907EB46CA36}"/>
-    <dgm:cxn modelId="{30C4541A-37D6-45B0-BF8A-5E0419566767}" srcId="{2EACC393-CA1C-482F-95B6-22E950D01C27}" destId="{4F391806-192B-4DF0-B207-8D46C37488EB}" srcOrd="5" destOrd="0" parTransId="{35C20A1B-6A74-48B0-BE52-73AA8B955812}" sibTransId="{059B2515-190F-4C8C-869F-6B1EC4D8141E}"/>
-    <dgm:cxn modelId="{3D86C473-AA10-4A63-96B6-1141F7B6CC3C}" type="presOf" srcId="{3C874B9B-88A3-4E66-85CF-F698A0BEABDF}" destId="{0B367109-D7E0-4253-B7E3-A80AB96F2788}" srcOrd="0" destOrd="0" presId="urn:microsoft.com/office/officeart/2005/8/layout/hChevron3"/>
-    <dgm:cxn modelId="{18C7ECFF-C066-4EAF-ABCE-752FF42FF0A2}" type="presOf" srcId="{4F391806-192B-4DF0-B207-8D46C37488EB}" destId="{9D88C978-C137-471C-A692-4EC71E3E0983}" srcOrd="0" destOrd="0" presId="urn:microsoft.com/office/officeart/2005/8/layout/hChevron3"/>
-    <dgm:cxn modelId="{52DE3475-3BCA-4C6C-9650-1FF9689CF9C3}" type="presOf" srcId="{B222B69E-D1B0-46A8-A6FD-2820A77523F4}" destId="{1B1AAD42-D8B0-49E1-A716-37E3B3AE7DD9}" srcOrd="0" destOrd="0" presId="urn:microsoft.com/office/officeart/2005/8/layout/hChevron3"/>
-    <dgm:cxn modelId="{C4465B41-0FD2-4592-9199-DC61825568BC}" type="presOf" srcId="{2EACC393-CA1C-482F-95B6-22E950D01C27}" destId="{51CF7531-8921-4F41-96E8-E06D91C73507}" srcOrd="0" destOrd="0" presId="urn:microsoft.com/office/officeart/2005/8/layout/hChevron3"/>
-    <dgm:cxn modelId="{EDF55665-4F43-476E-8E49-08A85BFC1CE3}" type="presOf" srcId="{944C6AA6-BE75-4234-8D24-8ED541ADEE56}" destId="{E295C643-68CD-4DAC-9AF8-70278F4EF8BD}" srcOrd="0" destOrd="0" presId="urn:microsoft.com/office/officeart/2005/8/layout/hChevron3"/>
     <dgm:cxn modelId="{DC5B9888-548D-4FD2-A02E-8B0453BBAB68}" type="presParOf" srcId="{51CF7531-8921-4F41-96E8-E06D91C73507}" destId="{0B367109-D7E0-4253-B7E3-A80AB96F2788}" srcOrd="0" destOrd="0" presId="urn:microsoft.com/office/officeart/2005/8/layout/hChevron3"/>
     <dgm:cxn modelId="{A4750662-603C-41E6-96D5-CAAEEAC31B29}" type="presParOf" srcId="{51CF7531-8921-4F41-96E8-E06D91C73507}" destId="{FC611080-D032-4C62-A333-57C40D8CF059}" srcOrd="1" destOrd="0" presId="urn:microsoft.com/office/officeart/2005/8/layout/hChevron3"/>
     <dgm:cxn modelId="{187501D6-2D95-48D7-82CA-E20F49FDE575}" type="presParOf" srcId="{51CF7531-8921-4F41-96E8-E06D91C73507}" destId="{6A1FA887-E1D6-480C-8DCA-F9D053BDAD43}" srcOrd="2" destOrd="0" presId="urn:microsoft.com/office/officeart/2005/8/layout/hChevron3"/>
@@ -5333,6 +5354,13 @@
         </dgm:presLayoutVars>
       </dgm:prSet>
       <dgm:spPr/>
+      <dgm:t>
+        <a:bodyPr/>
+        <a:lstStyle/>
+        <a:p>
+          <a:endParaRPr lang="en-US"/>
+        </a:p>
+      </dgm:t>
     </dgm:pt>
     <dgm:pt modelId="{4632FC80-65C0-49A1-9F1E-24ABEBD8AB7E}" type="pres">
       <dgm:prSet presAssocID="{45718E28-27E3-4263-B331-6B0CEB155D7E}" presName="parSpace" presStyleCnt="0"/>
@@ -5402,6 +5430,13 @@
         </dgm:presLayoutVars>
       </dgm:prSet>
       <dgm:spPr/>
+      <dgm:t>
+        <a:bodyPr/>
+        <a:lstStyle/>
+        <a:p>
+          <a:endParaRPr lang="en-US"/>
+        </a:p>
+      </dgm:t>
     </dgm:pt>
     <dgm:pt modelId="{D9FCBB67-93BE-4BEC-B76A-9A83AA028170}" type="pres">
       <dgm:prSet presAssocID="{359E4FAE-DA08-4350-9D7E-0E4849626F8B}" presName="parSpace" presStyleCnt="0"/>
@@ -5414,22 +5449,29 @@
         </dgm:presLayoutVars>
       </dgm:prSet>
       <dgm:spPr/>
+      <dgm:t>
+        <a:bodyPr/>
+        <a:lstStyle/>
+        <a:p>
+          <a:endParaRPr lang="en-US"/>
+        </a:p>
+      </dgm:t>
     </dgm:pt>
   </dgm:ptLst>
   <dgm:cxnLst>
+    <dgm:cxn modelId="{18C7ECFF-C066-4EAF-ABCE-752FF42FF0A2}" type="presOf" srcId="{4F391806-192B-4DF0-B207-8D46C37488EB}" destId="{9D88C978-C137-471C-A692-4EC71E3E0983}" srcOrd="0" destOrd="0" presId="urn:microsoft.com/office/officeart/2005/8/layout/hChevron3"/>
+    <dgm:cxn modelId="{30C4541A-37D6-45B0-BF8A-5E0419566767}" srcId="{2EACC393-CA1C-482F-95B6-22E950D01C27}" destId="{4F391806-192B-4DF0-B207-8D46C37488EB}" srcOrd="5" destOrd="0" parTransId="{35C20A1B-6A74-48B0-BE52-73AA8B955812}" sibTransId="{059B2515-190F-4C8C-869F-6B1EC4D8141E}"/>
+    <dgm:cxn modelId="{EDF55665-4F43-476E-8E49-08A85BFC1CE3}" type="presOf" srcId="{944C6AA6-BE75-4234-8D24-8ED541ADEE56}" destId="{E295C643-68CD-4DAC-9AF8-70278F4EF8BD}" srcOrd="0" destOrd="0" presId="urn:microsoft.com/office/officeart/2005/8/layout/hChevron3"/>
+    <dgm:cxn modelId="{D61A6100-323A-44CE-9247-2B8C751F3B87}" srcId="{2EACC393-CA1C-482F-95B6-22E950D01C27}" destId="{9E382189-66F3-4F7F-9F48-996B41834CAC}" srcOrd="0" destOrd="0" parTransId="{D7940A75-A674-435E-B777-41D36124D7D6}" sibTransId="{45718E28-27E3-4263-B331-6B0CEB155D7E}"/>
+    <dgm:cxn modelId="{9980686C-67D5-4B7C-9CA6-6D20FDF26380}" type="presOf" srcId="{042D2ECE-00BC-46D6-A7F6-4414A96CCE6B}" destId="{6A1FA887-E1D6-480C-8DCA-F9D053BDAD43}" srcOrd="0" destOrd="0" presId="urn:microsoft.com/office/officeart/2005/8/layout/hChevron3"/>
+    <dgm:cxn modelId="{0E218F8F-B233-4B3F-9488-B2CFD67784FD}" type="presOf" srcId="{7233FFDB-6EF8-42E0-8CCD-96923B25C1CA}" destId="{4AD19D22-76AA-4F78-8F6A-9EB959D38FBD}" srcOrd="0" destOrd="0" presId="urn:microsoft.com/office/officeart/2005/8/layout/hChevron3"/>
+    <dgm:cxn modelId="{C4465B41-0FD2-4592-9199-DC61825568BC}" type="presOf" srcId="{2EACC393-CA1C-482F-95B6-22E950D01C27}" destId="{51CF7531-8921-4F41-96E8-E06D91C73507}" srcOrd="0" destOrd="0" presId="urn:microsoft.com/office/officeart/2005/8/layout/hChevron3"/>
+    <dgm:cxn modelId="{69463378-76FC-4470-A175-F066AE3D96E3}" srcId="{2EACC393-CA1C-482F-95B6-22E950D01C27}" destId="{B222B69E-D1B0-46A8-A6FD-2820A77523F4}" srcOrd="4" destOrd="0" parTransId="{A8F421EA-3DCE-4B3C-9A8D-09AC347E55A6}" sibTransId="{359E4FAE-DA08-4350-9D7E-0E4849626F8B}"/>
+    <dgm:cxn modelId="{D754BCE7-27EE-4A13-B97F-F9C6A17F3C86}" srcId="{2EACC393-CA1C-482F-95B6-22E950D01C27}" destId="{944C6AA6-BE75-4234-8D24-8ED541ADEE56}" srcOrd="2" destOrd="0" parTransId="{127F4ACE-F3AF-40EF-AE11-17F70ED43A23}" sibTransId="{5270FAB7-F7CA-4BCD-8501-3907EB46CA36}"/>
+    <dgm:cxn modelId="{EB114E3A-0D75-49AD-B0CD-FCC47EC685EE}" srcId="{2EACC393-CA1C-482F-95B6-22E950D01C27}" destId="{042D2ECE-00BC-46D6-A7F6-4414A96CCE6B}" srcOrd="1" destOrd="0" parTransId="{85763D31-0AC5-4B9F-89F2-0F480B23873B}" sibTransId="{64703171-32C2-4733-AFBD-BD8CC035E338}"/>
+    <dgm:cxn modelId="{52DE3475-3BCA-4C6C-9650-1FF9689CF9C3}" type="presOf" srcId="{B222B69E-D1B0-46A8-A6FD-2820A77523F4}" destId="{1B1AAD42-D8B0-49E1-A716-37E3B3AE7DD9}" srcOrd="0" destOrd="0" presId="urn:microsoft.com/office/officeart/2005/8/layout/hChevron3"/>
+    <dgm:cxn modelId="{B98E603F-3E15-4291-8A24-F62CC8E207F2}" srcId="{2EACC393-CA1C-482F-95B6-22E950D01C27}" destId="{7233FFDB-6EF8-42E0-8CCD-96923B25C1CA}" srcOrd="3" destOrd="0" parTransId="{7823F436-EE70-4BB3-A33B-9629F9AEF43A}" sibTransId="{D5B388D5-D779-42AC-B113-EF7ADD31E1C1}"/>
     <dgm:cxn modelId="{4C0504F4-55BC-4EB7-B603-F320C6C6872E}" type="presOf" srcId="{9E382189-66F3-4F7F-9F48-996B41834CAC}" destId="{BBF5787C-650C-4B80-B7F9-2E7FC4EE3AC4}" srcOrd="0" destOrd="0" presId="urn:microsoft.com/office/officeart/2005/8/layout/hChevron3"/>
-    <dgm:cxn modelId="{0E218F8F-B233-4B3F-9488-B2CFD67784FD}" type="presOf" srcId="{7233FFDB-6EF8-42E0-8CCD-96923B25C1CA}" destId="{4AD19D22-76AA-4F78-8F6A-9EB959D38FBD}" srcOrd="0" destOrd="0" presId="urn:microsoft.com/office/officeart/2005/8/layout/hChevron3"/>
-    <dgm:cxn modelId="{B98E603F-3E15-4291-8A24-F62CC8E207F2}" srcId="{2EACC393-CA1C-482F-95B6-22E950D01C27}" destId="{7233FFDB-6EF8-42E0-8CCD-96923B25C1CA}" srcOrd="3" destOrd="0" parTransId="{7823F436-EE70-4BB3-A33B-9629F9AEF43A}" sibTransId="{D5B388D5-D779-42AC-B113-EF7ADD31E1C1}"/>
-    <dgm:cxn modelId="{69463378-76FC-4470-A175-F066AE3D96E3}" srcId="{2EACC393-CA1C-482F-95B6-22E950D01C27}" destId="{B222B69E-D1B0-46A8-A6FD-2820A77523F4}" srcOrd="4" destOrd="0" parTransId="{A8F421EA-3DCE-4B3C-9A8D-09AC347E55A6}" sibTransId="{359E4FAE-DA08-4350-9D7E-0E4849626F8B}"/>
-    <dgm:cxn modelId="{EB114E3A-0D75-49AD-B0CD-FCC47EC685EE}" srcId="{2EACC393-CA1C-482F-95B6-22E950D01C27}" destId="{042D2ECE-00BC-46D6-A7F6-4414A96CCE6B}" srcOrd="1" destOrd="0" parTransId="{85763D31-0AC5-4B9F-89F2-0F480B23873B}" sibTransId="{64703171-32C2-4733-AFBD-BD8CC035E338}"/>
-    <dgm:cxn modelId="{9980686C-67D5-4B7C-9CA6-6D20FDF26380}" type="presOf" srcId="{042D2ECE-00BC-46D6-A7F6-4414A96CCE6B}" destId="{6A1FA887-E1D6-480C-8DCA-F9D053BDAD43}" srcOrd="0" destOrd="0" presId="urn:microsoft.com/office/officeart/2005/8/layout/hChevron3"/>
-    <dgm:cxn modelId="{D754BCE7-27EE-4A13-B97F-F9C6A17F3C86}" srcId="{2EACC393-CA1C-482F-95B6-22E950D01C27}" destId="{944C6AA6-BE75-4234-8D24-8ED541ADEE56}" srcOrd="2" destOrd="0" parTransId="{127F4ACE-F3AF-40EF-AE11-17F70ED43A23}" sibTransId="{5270FAB7-F7CA-4BCD-8501-3907EB46CA36}"/>
-    <dgm:cxn modelId="{30C4541A-37D6-45B0-BF8A-5E0419566767}" srcId="{2EACC393-CA1C-482F-95B6-22E950D01C27}" destId="{4F391806-192B-4DF0-B207-8D46C37488EB}" srcOrd="5" destOrd="0" parTransId="{35C20A1B-6A74-48B0-BE52-73AA8B955812}" sibTransId="{059B2515-190F-4C8C-869F-6B1EC4D8141E}"/>
-    <dgm:cxn modelId="{18C7ECFF-C066-4EAF-ABCE-752FF42FF0A2}" type="presOf" srcId="{4F391806-192B-4DF0-B207-8D46C37488EB}" destId="{9D88C978-C137-471C-A692-4EC71E3E0983}" srcOrd="0" destOrd="0" presId="urn:microsoft.com/office/officeart/2005/8/layout/hChevron3"/>
-    <dgm:cxn modelId="{D61A6100-323A-44CE-9247-2B8C751F3B87}" srcId="{2EACC393-CA1C-482F-95B6-22E950D01C27}" destId="{9E382189-66F3-4F7F-9F48-996B41834CAC}" srcOrd="0" destOrd="0" parTransId="{D7940A75-A674-435E-B777-41D36124D7D6}" sibTransId="{45718E28-27E3-4263-B331-6B0CEB155D7E}"/>
-    <dgm:cxn modelId="{52DE3475-3BCA-4C6C-9650-1FF9689CF9C3}" type="presOf" srcId="{B222B69E-D1B0-46A8-A6FD-2820A77523F4}" destId="{1B1AAD42-D8B0-49E1-A716-37E3B3AE7DD9}" srcOrd="0" destOrd="0" presId="urn:microsoft.com/office/officeart/2005/8/layout/hChevron3"/>
-    <dgm:cxn modelId="{C4465B41-0FD2-4592-9199-DC61825568BC}" type="presOf" srcId="{2EACC393-CA1C-482F-95B6-22E950D01C27}" destId="{51CF7531-8921-4F41-96E8-E06D91C73507}" srcOrd="0" destOrd="0" presId="urn:microsoft.com/office/officeart/2005/8/layout/hChevron3"/>
-    <dgm:cxn modelId="{EDF55665-4F43-476E-8E49-08A85BFC1CE3}" type="presOf" srcId="{944C6AA6-BE75-4234-8D24-8ED541ADEE56}" destId="{E295C643-68CD-4DAC-9AF8-70278F4EF8BD}" srcOrd="0" destOrd="0" presId="urn:microsoft.com/office/officeart/2005/8/layout/hChevron3"/>
     <dgm:cxn modelId="{8EB7C2EF-DA66-4E2E-AB41-E198F766D90D}" type="presParOf" srcId="{51CF7531-8921-4F41-96E8-E06D91C73507}" destId="{BBF5787C-650C-4B80-B7F9-2E7FC4EE3AC4}" srcOrd="0" destOrd="0" presId="urn:microsoft.com/office/officeart/2005/8/layout/hChevron3"/>
     <dgm:cxn modelId="{076F3CFE-751F-40FB-8D57-C7F67F405E42}" type="presParOf" srcId="{51CF7531-8921-4F41-96E8-E06D91C73507}" destId="{4632FC80-65C0-49A1-9F1E-24ABEBD8AB7E}" srcOrd="1" destOrd="0" presId="urn:microsoft.com/office/officeart/2005/8/layout/hChevron3"/>
     <dgm:cxn modelId="{187501D6-2D95-48D7-82CA-E20F49FDE575}" type="presParOf" srcId="{51CF7531-8921-4F41-96E8-E06D91C73507}" destId="{6A1FA887-E1D6-480C-8DCA-F9D053BDAD43}" srcOrd="2" destOrd="0" presId="urn:microsoft.com/office/officeart/2005/8/layout/hChevron3"/>
@@ -5752,6 +5794,13 @@
         </dgm:presLayoutVars>
       </dgm:prSet>
       <dgm:spPr/>
+      <dgm:t>
+        <a:bodyPr/>
+        <a:lstStyle/>
+        <a:p>
+          <a:endParaRPr lang="en-US"/>
+        </a:p>
+      </dgm:t>
     </dgm:pt>
     <dgm:pt modelId="{963C76DD-8474-40BC-9512-DCD1EA95A69E}" type="pres">
       <dgm:prSet presAssocID="{1C0BF49D-B54D-43DD-B972-FF6B48045EF6}" presName="parSpace" presStyleCnt="0"/>
@@ -5821,6 +5870,13 @@
         </dgm:presLayoutVars>
       </dgm:prSet>
       <dgm:spPr/>
+      <dgm:t>
+        <a:bodyPr/>
+        <a:lstStyle/>
+        <a:p>
+          <a:endParaRPr lang="en-US"/>
+        </a:p>
+      </dgm:t>
     </dgm:pt>
     <dgm:pt modelId="{D9FCBB67-93BE-4BEC-B76A-9A83AA028170}" type="pres">
       <dgm:prSet presAssocID="{359E4FAE-DA08-4350-9D7E-0E4849626F8B}" presName="parSpace" presStyleCnt="0"/>
@@ -5833,22 +5889,29 @@
         </dgm:presLayoutVars>
       </dgm:prSet>
       <dgm:spPr/>
+      <dgm:t>
+        <a:bodyPr/>
+        <a:lstStyle/>
+        <a:p>
+          <a:endParaRPr lang="en-US"/>
+        </a:p>
+      </dgm:t>
     </dgm:pt>
   </dgm:ptLst>
   <dgm:cxnLst>
+    <dgm:cxn modelId="{18C7ECFF-C066-4EAF-ABCE-752FF42FF0A2}" type="presOf" srcId="{4F391806-192B-4DF0-B207-8D46C37488EB}" destId="{9D88C978-C137-471C-A692-4EC71E3E0983}" srcOrd="0" destOrd="0" presId="urn:microsoft.com/office/officeart/2005/8/layout/hChevron3"/>
+    <dgm:cxn modelId="{30C4541A-37D6-45B0-BF8A-5E0419566767}" srcId="{2EACC393-CA1C-482F-95B6-22E950D01C27}" destId="{4F391806-192B-4DF0-B207-8D46C37488EB}" srcOrd="5" destOrd="0" parTransId="{35C20A1B-6A74-48B0-BE52-73AA8B955812}" sibTransId="{059B2515-190F-4C8C-869F-6B1EC4D8141E}"/>
+    <dgm:cxn modelId="{EDF55665-4F43-476E-8E49-08A85BFC1CE3}" type="presOf" srcId="{944C6AA6-BE75-4234-8D24-8ED541ADEE56}" destId="{E295C643-68CD-4DAC-9AF8-70278F4EF8BD}" srcOrd="0" destOrd="0" presId="urn:microsoft.com/office/officeart/2005/8/layout/hChevron3"/>
+    <dgm:cxn modelId="{47B5553E-F53B-4F72-A13D-5245AAA2283D}" srcId="{2EACC393-CA1C-482F-95B6-22E950D01C27}" destId="{1586F0B1-2C14-4213-9245-22FB49B2F82B}" srcOrd="0" destOrd="0" parTransId="{329AD5CE-08B6-4D60-ADED-37965DD294FB}" sibTransId="{1C0BF49D-B54D-43DD-B972-FF6B48045EF6}"/>
+    <dgm:cxn modelId="{9980686C-67D5-4B7C-9CA6-6D20FDF26380}" type="presOf" srcId="{042D2ECE-00BC-46D6-A7F6-4414A96CCE6B}" destId="{6A1FA887-E1D6-480C-8DCA-F9D053BDAD43}" srcOrd="0" destOrd="0" presId="urn:microsoft.com/office/officeart/2005/8/layout/hChevron3"/>
     <dgm:cxn modelId="{0E218F8F-B233-4B3F-9488-B2CFD67784FD}" type="presOf" srcId="{7233FFDB-6EF8-42E0-8CCD-96923B25C1CA}" destId="{4AD19D22-76AA-4F78-8F6A-9EB959D38FBD}" srcOrd="0" destOrd="0" presId="urn:microsoft.com/office/officeart/2005/8/layout/hChevron3"/>
-    <dgm:cxn modelId="{B98E603F-3E15-4291-8A24-F62CC8E207F2}" srcId="{2EACC393-CA1C-482F-95B6-22E950D01C27}" destId="{7233FFDB-6EF8-42E0-8CCD-96923B25C1CA}" srcOrd="3" destOrd="0" parTransId="{7823F436-EE70-4BB3-A33B-9629F9AEF43A}" sibTransId="{D5B388D5-D779-42AC-B113-EF7ADD31E1C1}"/>
+    <dgm:cxn modelId="{C4465B41-0FD2-4592-9199-DC61825568BC}" type="presOf" srcId="{2EACC393-CA1C-482F-95B6-22E950D01C27}" destId="{51CF7531-8921-4F41-96E8-E06D91C73507}" srcOrd="0" destOrd="0" presId="urn:microsoft.com/office/officeart/2005/8/layout/hChevron3"/>
     <dgm:cxn modelId="{69463378-76FC-4470-A175-F066AE3D96E3}" srcId="{2EACC393-CA1C-482F-95B6-22E950D01C27}" destId="{B222B69E-D1B0-46A8-A6FD-2820A77523F4}" srcOrd="4" destOrd="0" parTransId="{A8F421EA-3DCE-4B3C-9A8D-09AC347E55A6}" sibTransId="{359E4FAE-DA08-4350-9D7E-0E4849626F8B}"/>
+    <dgm:cxn modelId="{D754BCE7-27EE-4A13-B97F-F9C6A17F3C86}" srcId="{2EACC393-CA1C-482F-95B6-22E950D01C27}" destId="{944C6AA6-BE75-4234-8D24-8ED541ADEE56}" srcOrd="2" destOrd="0" parTransId="{127F4ACE-F3AF-40EF-AE11-17F70ED43A23}" sibTransId="{5270FAB7-F7CA-4BCD-8501-3907EB46CA36}"/>
     <dgm:cxn modelId="{FCEDAAE0-ACC0-4D69-AE7A-8519CFA30FF5}" type="presOf" srcId="{1586F0B1-2C14-4213-9245-22FB49B2F82B}" destId="{7EBF048D-B751-42B5-8ADB-1E514765035D}" srcOrd="0" destOrd="0" presId="urn:microsoft.com/office/officeart/2005/8/layout/hChevron3"/>
     <dgm:cxn modelId="{EB114E3A-0D75-49AD-B0CD-FCC47EC685EE}" srcId="{2EACC393-CA1C-482F-95B6-22E950D01C27}" destId="{042D2ECE-00BC-46D6-A7F6-4414A96CCE6B}" srcOrd="1" destOrd="0" parTransId="{85763D31-0AC5-4B9F-89F2-0F480B23873B}" sibTransId="{64703171-32C2-4733-AFBD-BD8CC035E338}"/>
-    <dgm:cxn modelId="{9980686C-67D5-4B7C-9CA6-6D20FDF26380}" type="presOf" srcId="{042D2ECE-00BC-46D6-A7F6-4414A96CCE6B}" destId="{6A1FA887-E1D6-480C-8DCA-F9D053BDAD43}" srcOrd="0" destOrd="0" presId="urn:microsoft.com/office/officeart/2005/8/layout/hChevron3"/>
-    <dgm:cxn modelId="{D754BCE7-27EE-4A13-B97F-F9C6A17F3C86}" srcId="{2EACC393-CA1C-482F-95B6-22E950D01C27}" destId="{944C6AA6-BE75-4234-8D24-8ED541ADEE56}" srcOrd="2" destOrd="0" parTransId="{127F4ACE-F3AF-40EF-AE11-17F70ED43A23}" sibTransId="{5270FAB7-F7CA-4BCD-8501-3907EB46CA36}"/>
-    <dgm:cxn modelId="{30C4541A-37D6-45B0-BF8A-5E0419566767}" srcId="{2EACC393-CA1C-482F-95B6-22E950D01C27}" destId="{4F391806-192B-4DF0-B207-8D46C37488EB}" srcOrd="5" destOrd="0" parTransId="{35C20A1B-6A74-48B0-BE52-73AA8B955812}" sibTransId="{059B2515-190F-4C8C-869F-6B1EC4D8141E}"/>
-    <dgm:cxn modelId="{18C7ECFF-C066-4EAF-ABCE-752FF42FF0A2}" type="presOf" srcId="{4F391806-192B-4DF0-B207-8D46C37488EB}" destId="{9D88C978-C137-471C-A692-4EC71E3E0983}" srcOrd="0" destOrd="0" presId="urn:microsoft.com/office/officeart/2005/8/layout/hChevron3"/>
     <dgm:cxn modelId="{52DE3475-3BCA-4C6C-9650-1FF9689CF9C3}" type="presOf" srcId="{B222B69E-D1B0-46A8-A6FD-2820A77523F4}" destId="{1B1AAD42-D8B0-49E1-A716-37E3B3AE7DD9}" srcOrd="0" destOrd="0" presId="urn:microsoft.com/office/officeart/2005/8/layout/hChevron3"/>
-    <dgm:cxn modelId="{47B5553E-F53B-4F72-A13D-5245AAA2283D}" srcId="{2EACC393-CA1C-482F-95B6-22E950D01C27}" destId="{1586F0B1-2C14-4213-9245-22FB49B2F82B}" srcOrd="0" destOrd="0" parTransId="{329AD5CE-08B6-4D60-ADED-37965DD294FB}" sibTransId="{1C0BF49D-B54D-43DD-B972-FF6B48045EF6}"/>
-    <dgm:cxn modelId="{C4465B41-0FD2-4592-9199-DC61825568BC}" type="presOf" srcId="{2EACC393-CA1C-482F-95B6-22E950D01C27}" destId="{51CF7531-8921-4F41-96E8-E06D91C73507}" srcOrd="0" destOrd="0" presId="urn:microsoft.com/office/officeart/2005/8/layout/hChevron3"/>
-    <dgm:cxn modelId="{EDF55665-4F43-476E-8E49-08A85BFC1CE3}" type="presOf" srcId="{944C6AA6-BE75-4234-8D24-8ED541ADEE56}" destId="{E295C643-68CD-4DAC-9AF8-70278F4EF8BD}" srcOrd="0" destOrd="0" presId="urn:microsoft.com/office/officeart/2005/8/layout/hChevron3"/>
+    <dgm:cxn modelId="{B98E603F-3E15-4291-8A24-F62CC8E207F2}" srcId="{2EACC393-CA1C-482F-95B6-22E950D01C27}" destId="{7233FFDB-6EF8-42E0-8CCD-96923B25C1CA}" srcOrd="3" destOrd="0" parTransId="{7823F436-EE70-4BB3-A33B-9629F9AEF43A}" sibTransId="{D5B388D5-D779-42AC-B113-EF7ADD31E1C1}"/>
     <dgm:cxn modelId="{ED11D4A7-8633-4755-9B7A-B16768E77FE3}" type="presParOf" srcId="{51CF7531-8921-4F41-96E8-E06D91C73507}" destId="{7EBF048D-B751-42B5-8ADB-1E514765035D}" srcOrd="0" destOrd="0" presId="urn:microsoft.com/office/officeart/2005/8/layout/hChevron3"/>
     <dgm:cxn modelId="{89527D3C-9FE0-4721-B651-DA8432E09FCE}" type="presParOf" srcId="{51CF7531-8921-4F41-96E8-E06D91C73507}" destId="{963C76DD-8474-40BC-9512-DCD1EA95A69E}" srcOrd="1" destOrd="0" presId="urn:microsoft.com/office/officeart/2005/8/layout/hChevron3"/>
     <dgm:cxn modelId="{187501D6-2D95-48D7-82CA-E20F49FDE575}" type="presParOf" srcId="{51CF7531-8921-4F41-96E8-E06D91C73507}" destId="{6A1FA887-E1D6-480C-8DCA-F9D053BDAD43}" srcOrd="2" destOrd="0" presId="urn:microsoft.com/office/officeart/2005/8/layout/hChevron3"/>
@@ -6185,6 +6248,13 @@
         </dgm:presLayoutVars>
       </dgm:prSet>
       <dgm:spPr/>
+      <dgm:t>
+        <a:bodyPr/>
+        <a:lstStyle/>
+        <a:p>
+          <a:endParaRPr lang="en-US"/>
+        </a:p>
+      </dgm:t>
     </dgm:pt>
     <dgm:pt modelId="{940B1633-9FD2-45FC-88D3-A30444A0EF05}" type="pres">
       <dgm:prSet presAssocID="{8BDE232D-34EB-4883-B268-849EBC6846E5}" presName="parSpace" presStyleCnt="0"/>
@@ -6254,6 +6324,13 @@
         </dgm:presLayoutVars>
       </dgm:prSet>
       <dgm:spPr/>
+      <dgm:t>
+        <a:bodyPr/>
+        <a:lstStyle/>
+        <a:p>
+          <a:endParaRPr lang="en-US"/>
+        </a:p>
+      </dgm:t>
     </dgm:pt>
     <dgm:pt modelId="{D9FCBB67-93BE-4BEC-B76A-9A83AA028170}" type="pres">
       <dgm:prSet presAssocID="{359E4FAE-DA08-4350-9D7E-0E4849626F8B}" presName="parSpace" presStyleCnt="0"/>
@@ -6266,11 +6343,18 @@
         </dgm:presLayoutVars>
       </dgm:prSet>
       <dgm:spPr/>
+      <dgm:t>
+        <a:bodyPr/>
+        <a:lstStyle/>
+        <a:p>
+          <a:endParaRPr lang="en-US"/>
+        </a:p>
+      </dgm:t>
     </dgm:pt>
   </dgm:ptLst>
   <dgm:cxnLst>
+    <dgm:cxn modelId="{18C7ECFF-C066-4EAF-ABCE-752FF42FF0A2}" type="presOf" srcId="{4F391806-192B-4DF0-B207-8D46C37488EB}" destId="{9D88C978-C137-471C-A692-4EC71E3E0983}" srcOrd="0" destOrd="0" presId="urn:microsoft.com/office/officeart/2005/8/layout/hChevron3"/>
     <dgm:cxn modelId="{30C4541A-37D6-45B0-BF8A-5E0419566767}" srcId="{2EACC393-CA1C-482F-95B6-22E950D01C27}" destId="{4F391806-192B-4DF0-B207-8D46C37488EB}" srcOrd="5" destOrd="0" parTransId="{35C20A1B-6A74-48B0-BE52-73AA8B955812}" sibTransId="{059B2515-190F-4C8C-869F-6B1EC4D8141E}"/>
-    <dgm:cxn modelId="{18C7ECFF-C066-4EAF-ABCE-752FF42FF0A2}" type="presOf" srcId="{4F391806-192B-4DF0-B207-8D46C37488EB}" destId="{9D88C978-C137-471C-A692-4EC71E3E0983}" srcOrd="0" destOrd="0" presId="urn:microsoft.com/office/officeart/2005/8/layout/hChevron3"/>
     <dgm:cxn modelId="{32A975AE-5425-47EC-9F0A-6D447E15067A}" type="presOf" srcId="{91285419-9722-4262-A2E0-4882B922DAD5}" destId="{A3E11551-F8EC-4761-869B-195E3E10CA10}" srcOrd="0" destOrd="0" presId="urn:microsoft.com/office/officeart/2005/8/layout/hChevron3"/>
     <dgm:cxn modelId="{EDF55665-4F43-476E-8E49-08A85BFC1CE3}" type="presOf" srcId="{944C6AA6-BE75-4234-8D24-8ED541ADEE56}" destId="{E295C643-68CD-4DAC-9AF8-70278F4EF8BD}" srcOrd="0" destOrd="0" presId="urn:microsoft.com/office/officeart/2005/8/layout/hChevron3"/>
     <dgm:cxn modelId="{9980686C-67D5-4B7C-9CA6-6D20FDF26380}" type="presOf" srcId="{042D2ECE-00BC-46D6-A7F6-4414A96CCE6B}" destId="{6A1FA887-E1D6-480C-8DCA-F9D053BDAD43}" srcOrd="0" destOrd="0" presId="urn:microsoft.com/office/officeart/2005/8/layout/hChevron3"/>
@@ -6618,6 +6702,13 @@
         </dgm:presLayoutVars>
       </dgm:prSet>
       <dgm:spPr/>
+      <dgm:t>
+        <a:bodyPr/>
+        <a:lstStyle/>
+        <a:p>
+          <a:endParaRPr lang="en-US"/>
+        </a:p>
+      </dgm:t>
     </dgm:pt>
     <dgm:pt modelId="{94D51D2A-7F85-4A43-A024-BE5ED4A14D9A}" type="pres">
       <dgm:prSet presAssocID="{EFCA7E36-4E65-43B5-90F9-ABC09C1C3B8F}" presName="parSpace" presStyleCnt="0"/>
@@ -6687,6 +6778,13 @@
         </dgm:presLayoutVars>
       </dgm:prSet>
       <dgm:spPr/>
+      <dgm:t>
+        <a:bodyPr/>
+        <a:lstStyle/>
+        <a:p>
+          <a:endParaRPr lang="en-US"/>
+        </a:p>
+      </dgm:t>
     </dgm:pt>
     <dgm:pt modelId="{D9FCBB67-93BE-4BEC-B76A-9A83AA028170}" type="pres">
       <dgm:prSet presAssocID="{359E4FAE-DA08-4350-9D7E-0E4849626F8B}" presName="parSpace" presStyleCnt="0"/>
@@ -6699,22 +6797,29 @@
         </dgm:presLayoutVars>
       </dgm:prSet>
       <dgm:spPr/>
+      <dgm:t>
+        <a:bodyPr/>
+        <a:lstStyle/>
+        <a:p>
+          <a:endParaRPr lang="en-US"/>
+        </a:p>
+      </dgm:t>
     </dgm:pt>
   </dgm:ptLst>
   <dgm:cxnLst>
+    <dgm:cxn modelId="{18C7ECFF-C066-4EAF-ABCE-752FF42FF0A2}" type="presOf" srcId="{4F391806-192B-4DF0-B207-8D46C37488EB}" destId="{9D88C978-C137-471C-A692-4EC71E3E0983}" srcOrd="0" destOrd="0" presId="urn:microsoft.com/office/officeart/2005/8/layout/hChevron3"/>
+    <dgm:cxn modelId="{30C4541A-37D6-45B0-BF8A-5E0419566767}" srcId="{2EACC393-CA1C-482F-95B6-22E950D01C27}" destId="{4F391806-192B-4DF0-B207-8D46C37488EB}" srcOrd="5" destOrd="0" parTransId="{35C20A1B-6A74-48B0-BE52-73AA8B955812}" sibTransId="{059B2515-190F-4C8C-869F-6B1EC4D8141E}"/>
+    <dgm:cxn modelId="{EDF55665-4F43-476E-8E49-08A85BFC1CE3}" type="presOf" srcId="{944C6AA6-BE75-4234-8D24-8ED541ADEE56}" destId="{E295C643-68CD-4DAC-9AF8-70278F4EF8BD}" srcOrd="0" destOrd="0" presId="urn:microsoft.com/office/officeart/2005/8/layout/hChevron3"/>
+    <dgm:cxn modelId="{9980686C-67D5-4B7C-9CA6-6D20FDF26380}" type="presOf" srcId="{042D2ECE-00BC-46D6-A7F6-4414A96CCE6B}" destId="{6A1FA887-E1D6-480C-8DCA-F9D053BDAD43}" srcOrd="0" destOrd="0" presId="urn:microsoft.com/office/officeart/2005/8/layout/hChevron3"/>
     <dgm:cxn modelId="{0E218F8F-B233-4B3F-9488-B2CFD67784FD}" type="presOf" srcId="{7233FFDB-6EF8-42E0-8CCD-96923B25C1CA}" destId="{4AD19D22-76AA-4F78-8F6A-9EB959D38FBD}" srcOrd="0" destOrd="0" presId="urn:microsoft.com/office/officeart/2005/8/layout/hChevron3"/>
+    <dgm:cxn modelId="{F5654674-EBB3-4893-93A9-F80267F8C216}" type="presOf" srcId="{DCDB6948-D6EB-4173-9AB2-0BE5D2406C7F}" destId="{3BE51BB1-6DBF-4E41-8229-BEAF76778FAF}" srcOrd="0" destOrd="0" presId="urn:microsoft.com/office/officeart/2005/8/layout/hChevron3"/>
+    <dgm:cxn modelId="{C4465B41-0FD2-4592-9199-DC61825568BC}" type="presOf" srcId="{2EACC393-CA1C-482F-95B6-22E950D01C27}" destId="{51CF7531-8921-4F41-96E8-E06D91C73507}" srcOrd="0" destOrd="0" presId="urn:microsoft.com/office/officeart/2005/8/layout/hChevron3"/>
+    <dgm:cxn modelId="{69463378-76FC-4470-A175-F066AE3D96E3}" srcId="{2EACC393-CA1C-482F-95B6-22E950D01C27}" destId="{B222B69E-D1B0-46A8-A6FD-2820A77523F4}" srcOrd="4" destOrd="0" parTransId="{A8F421EA-3DCE-4B3C-9A8D-09AC347E55A6}" sibTransId="{359E4FAE-DA08-4350-9D7E-0E4849626F8B}"/>
+    <dgm:cxn modelId="{D754BCE7-27EE-4A13-B97F-F9C6A17F3C86}" srcId="{2EACC393-CA1C-482F-95B6-22E950D01C27}" destId="{944C6AA6-BE75-4234-8D24-8ED541ADEE56}" srcOrd="2" destOrd="0" parTransId="{127F4ACE-F3AF-40EF-AE11-17F70ED43A23}" sibTransId="{5270FAB7-F7CA-4BCD-8501-3907EB46CA36}"/>
+    <dgm:cxn modelId="{EB114E3A-0D75-49AD-B0CD-FCC47EC685EE}" srcId="{2EACC393-CA1C-482F-95B6-22E950D01C27}" destId="{042D2ECE-00BC-46D6-A7F6-4414A96CCE6B}" srcOrd="1" destOrd="0" parTransId="{85763D31-0AC5-4B9F-89F2-0F480B23873B}" sibTransId="{64703171-32C2-4733-AFBD-BD8CC035E338}"/>
+    <dgm:cxn modelId="{52DE3475-3BCA-4C6C-9650-1FF9689CF9C3}" type="presOf" srcId="{B222B69E-D1B0-46A8-A6FD-2820A77523F4}" destId="{1B1AAD42-D8B0-49E1-A716-37E3B3AE7DD9}" srcOrd="0" destOrd="0" presId="urn:microsoft.com/office/officeart/2005/8/layout/hChevron3"/>
+    <dgm:cxn modelId="{2DA43B99-4228-4F60-99C7-786F8274F1B9}" srcId="{2EACC393-CA1C-482F-95B6-22E950D01C27}" destId="{DCDB6948-D6EB-4173-9AB2-0BE5D2406C7F}" srcOrd="0" destOrd="0" parTransId="{BB9A01CF-76B0-451D-9F33-29AC2BCDA5A6}" sibTransId="{EFCA7E36-4E65-43B5-90F9-ABC09C1C3B8F}"/>
     <dgm:cxn modelId="{B98E603F-3E15-4291-8A24-F62CC8E207F2}" srcId="{2EACC393-CA1C-482F-95B6-22E950D01C27}" destId="{7233FFDB-6EF8-42E0-8CCD-96923B25C1CA}" srcOrd="3" destOrd="0" parTransId="{7823F436-EE70-4BB3-A33B-9629F9AEF43A}" sibTransId="{D5B388D5-D779-42AC-B113-EF7ADD31E1C1}"/>
-    <dgm:cxn modelId="{69463378-76FC-4470-A175-F066AE3D96E3}" srcId="{2EACC393-CA1C-482F-95B6-22E950D01C27}" destId="{B222B69E-D1B0-46A8-A6FD-2820A77523F4}" srcOrd="4" destOrd="0" parTransId="{A8F421EA-3DCE-4B3C-9A8D-09AC347E55A6}" sibTransId="{359E4FAE-DA08-4350-9D7E-0E4849626F8B}"/>
-    <dgm:cxn modelId="{EB114E3A-0D75-49AD-B0CD-FCC47EC685EE}" srcId="{2EACC393-CA1C-482F-95B6-22E950D01C27}" destId="{042D2ECE-00BC-46D6-A7F6-4414A96CCE6B}" srcOrd="1" destOrd="0" parTransId="{85763D31-0AC5-4B9F-89F2-0F480B23873B}" sibTransId="{64703171-32C2-4733-AFBD-BD8CC035E338}"/>
-    <dgm:cxn modelId="{9980686C-67D5-4B7C-9CA6-6D20FDF26380}" type="presOf" srcId="{042D2ECE-00BC-46D6-A7F6-4414A96CCE6B}" destId="{6A1FA887-E1D6-480C-8DCA-F9D053BDAD43}" srcOrd="0" destOrd="0" presId="urn:microsoft.com/office/officeart/2005/8/layout/hChevron3"/>
-    <dgm:cxn modelId="{D754BCE7-27EE-4A13-B97F-F9C6A17F3C86}" srcId="{2EACC393-CA1C-482F-95B6-22E950D01C27}" destId="{944C6AA6-BE75-4234-8D24-8ED541ADEE56}" srcOrd="2" destOrd="0" parTransId="{127F4ACE-F3AF-40EF-AE11-17F70ED43A23}" sibTransId="{5270FAB7-F7CA-4BCD-8501-3907EB46CA36}"/>
-    <dgm:cxn modelId="{2DA43B99-4228-4F60-99C7-786F8274F1B9}" srcId="{2EACC393-CA1C-482F-95B6-22E950D01C27}" destId="{DCDB6948-D6EB-4173-9AB2-0BE5D2406C7F}" srcOrd="0" destOrd="0" parTransId="{BB9A01CF-76B0-451D-9F33-29AC2BCDA5A6}" sibTransId="{EFCA7E36-4E65-43B5-90F9-ABC09C1C3B8F}"/>
-    <dgm:cxn modelId="{30C4541A-37D6-45B0-BF8A-5E0419566767}" srcId="{2EACC393-CA1C-482F-95B6-22E950D01C27}" destId="{4F391806-192B-4DF0-B207-8D46C37488EB}" srcOrd="5" destOrd="0" parTransId="{35C20A1B-6A74-48B0-BE52-73AA8B955812}" sibTransId="{059B2515-190F-4C8C-869F-6B1EC4D8141E}"/>
-    <dgm:cxn modelId="{18C7ECFF-C066-4EAF-ABCE-752FF42FF0A2}" type="presOf" srcId="{4F391806-192B-4DF0-B207-8D46C37488EB}" destId="{9D88C978-C137-471C-A692-4EC71E3E0983}" srcOrd="0" destOrd="0" presId="urn:microsoft.com/office/officeart/2005/8/layout/hChevron3"/>
-    <dgm:cxn modelId="{F5654674-EBB3-4893-93A9-F80267F8C216}" type="presOf" srcId="{DCDB6948-D6EB-4173-9AB2-0BE5D2406C7F}" destId="{3BE51BB1-6DBF-4E41-8229-BEAF76778FAF}" srcOrd="0" destOrd="0" presId="urn:microsoft.com/office/officeart/2005/8/layout/hChevron3"/>
-    <dgm:cxn modelId="{52DE3475-3BCA-4C6C-9650-1FF9689CF9C3}" type="presOf" srcId="{B222B69E-D1B0-46A8-A6FD-2820A77523F4}" destId="{1B1AAD42-D8B0-49E1-A716-37E3B3AE7DD9}" srcOrd="0" destOrd="0" presId="urn:microsoft.com/office/officeart/2005/8/layout/hChevron3"/>
-    <dgm:cxn modelId="{C4465B41-0FD2-4592-9199-DC61825568BC}" type="presOf" srcId="{2EACC393-CA1C-482F-95B6-22E950D01C27}" destId="{51CF7531-8921-4F41-96E8-E06D91C73507}" srcOrd="0" destOrd="0" presId="urn:microsoft.com/office/officeart/2005/8/layout/hChevron3"/>
-    <dgm:cxn modelId="{EDF55665-4F43-476E-8E49-08A85BFC1CE3}" type="presOf" srcId="{944C6AA6-BE75-4234-8D24-8ED541ADEE56}" destId="{E295C643-68CD-4DAC-9AF8-70278F4EF8BD}" srcOrd="0" destOrd="0" presId="urn:microsoft.com/office/officeart/2005/8/layout/hChevron3"/>
     <dgm:cxn modelId="{CA16FCFF-3B73-4F27-A6CC-B48E514AF349}" type="presParOf" srcId="{51CF7531-8921-4F41-96E8-E06D91C73507}" destId="{3BE51BB1-6DBF-4E41-8229-BEAF76778FAF}" srcOrd="0" destOrd="0" presId="urn:microsoft.com/office/officeart/2005/8/layout/hChevron3"/>
     <dgm:cxn modelId="{4DB354D6-299E-4549-9F0D-7D334E60B6CD}" type="presParOf" srcId="{51CF7531-8921-4F41-96E8-E06D91C73507}" destId="{94D51D2A-7F85-4A43-A024-BE5ED4A14D9A}" srcOrd="1" destOrd="0" presId="urn:microsoft.com/office/officeart/2005/8/layout/hChevron3"/>
     <dgm:cxn modelId="{187501D6-2D95-48D7-82CA-E20F49FDE575}" type="presParOf" srcId="{51CF7531-8921-4F41-96E8-E06D91C73507}" destId="{6A1FA887-E1D6-480C-8DCA-F9D053BDAD43}" srcOrd="2" destOrd="0" presId="urn:microsoft.com/office/officeart/2005/8/layout/hChevron3"/>
@@ -7127,6 +7232,13 @@
         </dgm:presLayoutVars>
       </dgm:prSet>
       <dgm:spPr/>
+      <dgm:t>
+        <a:bodyPr/>
+        <a:lstStyle/>
+        <a:p>
+          <a:endParaRPr lang="en-US"/>
+        </a:p>
+      </dgm:t>
     </dgm:pt>
     <dgm:pt modelId="{D9FCBB67-93BE-4BEC-B76A-9A83AA028170}" type="pres">
       <dgm:prSet presAssocID="{359E4FAE-DA08-4350-9D7E-0E4849626F8B}" presName="parSpace" presStyleCnt="0"/>
@@ -7139,21 +7251,28 @@
         </dgm:presLayoutVars>
       </dgm:prSet>
       <dgm:spPr/>
+      <dgm:t>
+        <a:bodyPr/>
+        <a:lstStyle/>
+        <a:p>
+          <a:endParaRPr lang="en-US"/>
+        </a:p>
+      </dgm:t>
     </dgm:pt>
   </dgm:ptLst>
   <dgm:cxnLst>
+    <dgm:cxn modelId="{18C7ECFF-C066-4EAF-ABCE-752FF42FF0A2}" type="presOf" srcId="{4F391806-192B-4DF0-B207-8D46C37488EB}" destId="{9D88C978-C137-471C-A692-4EC71E3E0983}" srcOrd="0" destOrd="0" presId="urn:microsoft.com/office/officeart/2005/8/layout/hChevron3"/>
+    <dgm:cxn modelId="{30C4541A-37D6-45B0-BF8A-5E0419566767}" srcId="{2EACC393-CA1C-482F-95B6-22E950D01C27}" destId="{4F391806-192B-4DF0-B207-8D46C37488EB}" srcOrd="5" destOrd="0" parTransId="{35C20A1B-6A74-48B0-BE52-73AA8B955812}" sibTransId="{059B2515-190F-4C8C-869F-6B1EC4D8141E}"/>
+    <dgm:cxn modelId="{EDF55665-4F43-476E-8E49-08A85BFC1CE3}" type="presOf" srcId="{944C6AA6-BE75-4234-8D24-8ED541ADEE56}" destId="{E295C643-68CD-4DAC-9AF8-70278F4EF8BD}" srcOrd="0" destOrd="0" presId="urn:microsoft.com/office/officeart/2005/8/layout/hChevron3"/>
+    <dgm:cxn modelId="{9980686C-67D5-4B7C-9CA6-6D20FDF26380}" type="presOf" srcId="{042D2ECE-00BC-46D6-A7F6-4414A96CCE6B}" destId="{6A1FA887-E1D6-480C-8DCA-F9D053BDAD43}" srcOrd="0" destOrd="0" presId="urn:microsoft.com/office/officeart/2005/8/layout/hChevron3"/>
+    <dgm:cxn modelId="{0E218F8F-B233-4B3F-9488-B2CFD67784FD}" type="presOf" srcId="{7233FFDB-6EF8-42E0-8CCD-96923B25C1CA}" destId="{4AD19D22-76AA-4F78-8F6A-9EB959D38FBD}" srcOrd="0" destOrd="0" presId="urn:microsoft.com/office/officeart/2005/8/layout/hChevron3"/>
+    <dgm:cxn modelId="{C4465B41-0FD2-4592-9199-DC61825568BC}" type="presOf" srcId="{2EACC393-CA1C-482F-95B6-22E950D01C27}" destId="{51CF7531-8921-4F41-96E8-E06D91C73507}" srcOrd="0" destOrd="0" presId="urn:microsoft.com/office/officeart/2005/8/layout/hChevron3"/>
+    <dgm:cxn modelId="{69463378-76FC-4470-A175-F066AE3D96E3}" srcId="{2EACC393-CA1C-482F-95B6-22E950D01C27}" destId="{B222B69E-D1B0-46A8-A6FD-2820A77523F4}" srcOrd="4" destOrd="0" parTransId="{A8F421EA-3DCE-4B3C-9A8D-09AC347E55A6}" sibTransId="{359E4FAE-DA08-4350-9D7E-0E4849626F8B}"/>
+    <dgm:cxn modelId="{D754BCE7-27EE-4A13-B97F-F9C6A17F3C86}" srcId="{2EACC393-CA1C-482F-95B6-22E950D01C27}" destId="{944C6AA6-BE75-4234-8D24-8ED541ADEE56}" srcOrd="2" destOrd="0" parTransId="{127F4ACE-F3AF-40EF-AE11-17F70ED43A23}" sibTransId="{5270FAB7-F7CA-4BCD-8501-3907EB46CA36}"/>
     <dgm:cxn modelId="{FA6593ED-2AE8-47BC-8562-DA39FEB33C4D}" srcId="{2EACC393-CA1C-482F-95B6-22E950D01C27}" destId="{9D01581B-70F8-4E72-8C26-B7E05D0FDAB6}" srcOrd="0" destOrd="0" parTransId="{19F93F07-82C3-4B8F-865B-8CE6FBB23C09}" sibTransId="{B5461EF6-7A2C-4B2A-A99C-37DC11ED23BF}"/>
-    <dgm:cxn modelId="{0E218F8F-B233-4B3F-9488-B2CFD67784FD}" type="presOf" srcId="{7233FFDB-6EF8-42E0-8CCD-96923B25C1CA}" destId="{4AD19D22-76AA-4F78-8F6A-9EB959D38FBD}" srcOrd="0" destOrd="0" presId="urn:microsoft.com/office/officeart/2005/8/layout/hChevron3"/>
+    <dgm:cxn modelId="{EB114E3A-0D75-49AD-B0CD-FCC47EC685EE}" srcId="{2EACC393-CA1C-482F-95B6-22E950D01C27}" destId="{042D2ECE-00BC-46D6-A7F6-4414A96CCE6B}" srcOrd="1" destOrd="0" parTransId="{85763D31-0AC5-4B9F-89F2-0F480B23873B}" sibTransId="{64703171-32C2-4733-AFBD-BD8CC035E338}"/>
+    <dgm:cxn modelId="{52DE3475-3BCA-4C6C-9650-1FF9689CF9C3}" type="presOf" srcId="{B222B69E-D1B0-46A8-A6FD-2820A77523F4}" destId="{1B1AAD42-D8B0-49E1-A716-37E3B3AE7DD9}" srcOrd="0" destOrd="0" presId="urn:microsoft.com/office/officeart/2005/8/layout/hChevron3"/>
     <dgm:cxn modelId="{B98E603F-3E15-4291-8A24-F62CC8E207F2}" srcId="{2EACC393-CA1C-482F-95B6-22E950D01C27}" destId="{7233FFDB-6EF8-42E0-8CCD-96923B25C1CA}" srcOrd="3" destOrd="0" parTransId="{7823F436-EE70-4BB3-A33B-9629F9AEF43A}" sibTransId="{D5B388D5-D779-42AC-B113-EF7ADD31E1C1}"/>
-    <dgm:cxn modelId="{69463378-76FC-4470-A175-F066AE3D96E3}" srcId="{2EACC393-CA1C-482F-95B6-22E950D01C27}" destId="{B222B69E-D1B0-46A8-A6FD-2820A77523F4}" srcOrd="4" destOrd="0" parTransId="{A8F421EA-3DCE-4B3C-9A8D-09AC347E55A6}" sibTransId="{359E4FAE-DA08-4350-9D7E-0E4849626F8B}"/>
-    <dgm:cxn modelId="{EB114E3A-0D75-49AD-B0CD-FCC47EC685EE}" srcId="{2EACC393-CA1C-482F-95B6-22E950D01C27}" destId="{042D2ECE-00BC-46D6-A7F6-4414A96CCE6B}" srcOrd="1" destOrd="0" parTransId="{85763D31-0AC5-4B9F-89F2-0F480B23873B}" sibTransId="{64703171-32C2-4733-AFBD-BD8CC035E338}"/>
-    <dgm:cxn modelId="{9980686C-67D5-4B7C-9CA6-6D20FDF26380}" type="presOf" srcId="{042D2ECE-00BC-46D6-A7F6-4414A96CCE6B}" destId="{6A1FA887-E1D6-480C-8DCA-F9D053BDAD43}" srcOrd="0" destOrd="0" presId="urn:microsoft.com/office/officeart/2005/8/layout/hChevron3"/>
-    <dgm:cxn modelId="{D754BCE7-27EE-4A13-B97F-F9C6A17F3C86}" srcId="{2EACC393-CA1C-482F-95B6-22E950D01C27}" destId="{944C6AA6-BE75-4234-8D24-8ED541ADEE56}" srcOrd="2" destOrd="0" parTransId="{127F4ACE-F3AF-40EF-AE11-17F70ED43A23}" sibTransId="{5270FAB7-F7CA-4BCD-8501-3907EB46CA36}"/>
-    <dgm:cxn modelId="{30C4541A-37D6-45B0-BF8A-5E0419566767}" srcId="{2EACC393-CA1C-482F-95B6-22E950D01C27}" destId="{4F391806-192B-4DF0-B207-8D46C37488EB}" srcOrd="5" destOrd="0" parTransId="{35C20A1B-6A74-48B0-BE52-73AA8B955812}" sibTransId="{059B2515-190F-4C8C-869F-6B1EC4D8141E}"/>
-    <dgm:cxn modelId="{18C7ECFF-C066-4EAF-ABCE-752FF42FF0A2}" type="presOf" srcId="{4F391806-192B-4DF0-B207-8D46C37488EB}" destId="{9D88C978-C137-471C-A692-4EC71E3E0983}" srcOrd="0" destOrd="0" presId="urn:microsoft.com/office/officeart/2005/8/layout/hChevron3"/>
-    <dgm:cxn modelId="{52DE3475-3BCA-4C6C-9650-1FF9689CF9C3}" type="presOf" srcId="{B222B69E-D1B0-46A8-A6FD-2820A77523F4}" destId="{1B1AAD42-D8B0-49E1-A716-37E3B3AE7DD9}" srcOrd="0" destOrd="0" presId="urn:microsoft.com/office/officeart/2005/8/layout/hChevron3"/>
-    <dgm:cxn modelId="{C4465B41-0FD2-4592-9199-DC61825568BC}" type="presOf" srcId="{2EACC393-CA1C-482F-95B6-22E950D01C27}" destId="{51CF7531-8921-4F41-96E8-E06D91C73507}" srcOrd="0" destOrd="0" presId="urn:microsoft.com/office/officeart/2005/8/layout/hChevron3"/>
-    <dgm:cxn modelId="{EDF55665-4F43-476E-8E49-08A85BFC1CE3}" type="presOf" srcId="{944C6AA6-BE75-4234-8D24-8ED541ADEE56}" destId="{E295C643-68CD-4DAC-9AF8-70278F4EF8BD}" srcOrd="0" destOrd="0" presId="urn:microsoft.com/office/officeart/2005/8/layout/hChevron3"/>
     <dgm:cxn modelId="{B69BF06F-8EC6-4527-B105-99692747A6E9}" type="presOf" srcId="{9D01581B-70F8-4E72-8C26-B7E05D0FDAB6}" destId="{C8B7612B-CF94-4337-AA03-55626970DEF9}" srcOrd="0" destOrd="0" presId="urn:microsoft.com/office/officeart/2005/8/layout/hChevron3"/>
     <dgm:cxn modelId="{65553FE6-B6C4-48B7-A15A-4402561504BF}" type="presParOf" srcId="{51CF7531-8921-4F41-96E8-E06D91C73507}" destId="{C8B7612B-CF94-4337-AA03-55626970DEF9}" srcOrd="0" destOrd="0" presId="urn:microsoft.com/office/officeart/2005/8/layout/hChevron3"/>
     <dgm:cxn modelId="{3024941A-83F3-4B12-AB13-D07DEB11B8ED}" type="presParOf" srcId="{51CF7531-8921-4F41-96E8-E06D91C73507}" destId="{D5F908EF-187C-4257-97E9-3FAE24172B68}" srcOrd="1" destOrd="0" presId="urn:microsoft.com/office/officeart/2005/8/layout/hChevron3"/>
@@ -22318,8 +22437,31 @@
                   <a:schemeClr val="bg1"/>
                 </a:solidFill>
               </a:rPr>
-              <a:t>All engine labels not created equal</a:t>
+              <a:t>All engine labels not created </a:t>
             </a:r>
+            <a:r>
+              <a:rPr lang="en-US" dirty="0" smtClean="0">
+                <a:solidFill>
+                  <a:schemeClr val="bg1"/>
+                </a:solidFill>
+              </a:rPr>
+              <a:t>equal</a:t>
+            </a:r>
+          </a:p>
+          <a:p>
+            <a:r>
+              <a:rPr lang="en-US" dirty="0" smtClean="0">
+                <a:solidFill>
+                  <a:schemeClr val="bg1"/>
+                </a:solidFill>
+              </a:rPr>
+              <a:t>Gradient Descent Algorithm </a:t>
+            </a:r>
+            <a:endParaRPr lang="en-US" dirty="0" smtClean="0">
+              <a:solidFill>
+                <a:schemeClr val="bg1"/>
+              </a:solidFill>
+            </a:endParaRPr>
           </a:p>
           <a:p>
             <a:endParaRPr lang="en-US" dirty="0" smtClean="0">
@@ -22620,6 +22762,96 @@
           </a:graphicData>
         </a:graphic>
       </p:graphicFrame>
+      <p:pic>
+        <p:nvPicPr>
+          <p:cNvPr id="5" name="Picture 4"/>
+          <p:cNvPicPr>
+            <a:picLocks noChangeAspect="1"/>
+          </p:cNvPicPr>
+          <p:nvPr/>
+        </p:nvPicPr>
+        <p:blipFill>
+          <a:blip r:embed="rId9"/>
+          <a:stretch>
+            <a:fillRect/>
+          </a:stretch>
+        </p:blipFill>
+        <p:spPr>
+          <a:xfrm>
+            <a:off x="7358706" y="3777880"/>
+            <a:ext cx="2908116" cy="2290506"/>
+          </a:xfrm>
+          <a:prstGeom prst="rect">
+            <a:avLst/>
+          </a:prstGeom>
+        </p:spPr>
+      </p:pic>
+      <p:sp>
+        <p:nvSpPr>
+          <p:cNvPr id="8" name="TextBox 7"/>
+          <p:cNvSpPr txBox="1"/>
+          <p:nvPr/>
+        </p:nvSpPr>
+        <p:spPr>
+          <a:xfrm rot="16200000">
+            <a:off x="6634462" y="4506097"/>
+            <a:ext cx="1079157" cy="369332"/>
+          </a:xfrm>
+          <a:prstGeom prst="rect">
+            <a:avLst/>
+          </a:prstGeom>
+          <a:noFill/>
+        </p:spPr>
+        <p:txBody>
+          <a:bodyPr wrap="square" rtlCol="0">
+            <a:spAutoFit/>
+          </a:bodyPr>
+          <a:lstStyle/>
+          <a:p>
+            <a:r>
+              <a:rPr lang="en-US" dirty="0" smtClean="0">
+                <a:solidFill>
+                  <a:schemeClr val="bg1"/>
+                </a:solidFill>
+              </a:rPr>
+              <a:t>Price</a:t>
+            </a:r>
+          </a:p>
+        </p:txBody>
+      </p:sp>
+      <p:sp>
+        <p:nvSpPr>
+          <p:cNvPr id="9" name="TextBox 8"/>
+          <p:cNvSpPr txBox="1"/>
+          <p:nvPr/>
+        </p:nvSpPr>
+        <p:spPr>
+          <a:xfrm>
+            <a:off x="8273185" y="6068386"/>
+            <a:ext cx="1079157" cy="369332"/>
+          </a:xfrm>
+          <a:prstGeom prst="rect">
+            <a:avLst/>
+          </a:prstGeom>
+          <a:noFill/>
+        </p:spPr>
+        <p:txBody>
+          <a:bodyPr wrap="square" rtlCol="0">
+            <a:spAutoFit/>
+          </a:bodyPr>
+          <a:lstStyle/>
+          <a:p>
+            <a:r>
+              <a:rPr lang="en-US" dirty="0" smtClean="0">
+                <a:solidFill>
+                  <a:schemeClr val="bg1"/>
+                </a:solidFill>
+              </a:rPr>
+              <a:t>Mileage</a:t>
+            </a:r>
+          </a:p>
+        </p:txBody>
+      </p:sp>
     </p:spTree>
     <p:extLst>
       <p:ext uri="{BB962C8B-B14F-4D97-AF65-F5344CB8AC3E}">
